--- a/lectures/pptx/3_Lecture_three.pptx
+++ b/lectures/pptx/3_Lecture_three.pptx
@@ -5987,11 +5987,7 @@
             <a:pPr lvl="1"/>
             <a:r>
               <a:rPr lang="en-GB" dirty="0" smtClean="0"/>
-              <a:t>Don’t worry, we will always provide this</a:t>
-            </a:r>
-            <a:r>
-              <a:rPr lang="en-GB" dirty="0" smtClean="0"/>
-              <a:t>!</a:t>
+              <a:t>Don’t worry, we will always provide this!</a:t>
             </a:r>
           </a:p>
           <a:p>
@@ -6001,11 +5997,7 @@
           <a:p>
             <a:r>
               <a:rPr lang="en-GB" dirty="0" smtClean="0"/>
-              <a:t>Note how it also automatically works out what files need to be compiled and only compiles </a:t>
-            </a:r>
-            <a:r>
-              <a:rPr lang="en-GB" dirty="0" smtClean="0"/>
-              <a:t>them</a:t>
+              <a:t>Note how it also automatically works out what files need to be compiled and only compiles them</a:t>
             </a:r>
           </a:p>
           <a:p>
@@ -6025,13 +6017,8 @@
             </a:r>
             <a:r>
               <a:rPr lang="en-GB" dirty="0" smtClean="0"/>
-              <a:t>is very common – clean up and leave the files as they were before any compilation </a:t>
-            </a:r>
-            <a:r>
-              <a:rPr lang="en-GB" dirty="0" smtClean="0"/>
-              <a:t>occurred</a:t>
-            </a:r>
-            <a:endParaRPr lang="en-GB" dirty="0" smtClean="0"/>
+              <a:t>is very common – clean up and leave the files as they were before any compilation occurred</a:t>
+            </a:r>
           </a:p>
         </p:txBody>
       </p:sp>
@@ -6136,11 +6123,7 @@
           <a:p>
             <a:r>
               <a:rPr lang="en-GB" dirty="0" smtClean="0"/>
-              <a:t>Arcus-b is the cluster we are running </a:t>
-            </a:r>
-            <a:r>
-              <a:rPr lang="en-GB" dirty="0" smtClean="0"/>
-              <a:t>on</a:t>
+              <a:t>Arcus-b is the cluster we are running on</a:t>
             </a:r>
           </a:p>
           <a:p>
@@ -6203,11 +6186,7 @@
             </a:r>
             <a:r>
               <a:rPr lang="en-GB" dirty="0" smtClean="0"/>
-              <a:t> on arcus-b is restricted to at most 16 </a:t>
-            </a:r>
-            <a:r>
-              <a:rPr lang="en-GB" dirty="0" smtClean="0"/>
-              <a:t>cores</a:t>
+              <a:t> on arcus-b is restricted to at most 16 cores</a:t>
             </a:r>
           </a:p>
           <a:p>
@@ -6709,7 +6688,7 @@
           <a:effectLst/>
           <a:extLst>
             <a:ext uri="{AF507438-7753-43e0-B8FC-AC1667EBCBE1}">
-              <a14:hiddenEffects xmlns:a14="http://schemas.microsoft.com/office/drawing/2010/main" xmlns="">
+              <a14:hiddenEffects xmlns="" xmlns:a14="http://schemas.microsoft.com/office/drawing/2010/main">
                 <a:effectLst>
                   <a:outerShdw blurRad="63500" dist="38099" dir="2700000" algn="ctr" rotWithShape="0">
                     <a:schemeClr val="bg2">
@@ -6790,7 +6769,7 @@
           <a:effectLst/>
           <a:extLst>
             <a:ext uri="{AF507438-7753-43e0-B8FC-AC1667EBCBE1}">
-              <a14:hiddenEffects xmlns:a14="http://schemas.microsoft.com/office/drawing/2010/main" xmlns="">
+              <a14:hiddenEffects xmlns="" xmlns:a14="http://schemas.microsoft.com/office/drawing/2010/main">
                 <a:effectLst>
                   <a:outerShdw blurRad="63500" dist="38099" dir="2700000" algn="ctr" rotWithShape="0">
                     <a:schemeClr val="bg2">
@@ -6876,7 +6855,7 @@
           <a:effectLst/>
           <a:extLst>
             <a:ext uri="{AF507438-7753-43e0-B8FC-AC1667EBCBE1}">
-              <a14:hiddenEffects xmlns:a14="http://schemas.microsoft.com/office/drawing/2010/main" xmlns="">
+              <a14:hiddenEffects xmlns="" xmlns:a14="http://schemas.microsoft.com/office/drawing/2010/main">
                 <a:effectLst>
                   <a:outerShdw blurRad="63500" dist="38099" dir="2700000" algn="ctr" rotWithShape="0">
                     <a:schemeClr val="bg2">
@@ -6992,7 +6971,7 @@
           <a:effectLst/>
           <a:extLst>
             <a:ext uri="{AF507438-7753-43e0-B8FC-AC1667EBCBE1}">
-              <a14:hiddenEffects xmlns:a14="http://schemas.microsoft.com/office/drawing/2010/main" xmlns="">
+              <a14:hiddenEffects xmlns="" xmlns:a14="http://schemas.microsoft.com/office/drawing/2010/main">
                 <a:effectLst>
                   <a:outerShdw blurRad="63500" dist="38099" dir="2700000" algn="ctr" rotWithShape="0">
                     <a:schemeClr val="bg2">
@@ -7238,15 +7217,7 @@
           <a:p>
             <a:r>
               <a:rPr lang="en-GB" dirty="0" smtClean="0"/>
-              <a:t>We’ve gone </a:t>
-            </a:r>
-            <a:r>
-              <a:rPr lang="en-GB" dirty="0" smtClean="0"/>
-              <a:t>through this all very </a:t>
-            </a:r>
-            <a:r>
-              <a:rPr lang="en-GB" dirty="0" smtClean="0"/>
-              <a:t>quickly</a:t>
+              <a:t>We’ve gone through this all very quickly</a:t>
             </a:r>
           </a:p>
           <a:p>
@@ -7257,7 +7228,6 @@
               <a:rPr lang="en-GB" dirty="0" smtClean="0"/>
               <a:t>Don’t worry if it’s still a bit unclear, you only really learn by doing it </a:t>
             </a:r>
-            <a:endParaRPr lang="en-GB" dirty="0" smtClean="0"/>
           </a:p>
           <a:p>
             <a:endParaRPr lang="en-GB" dirty="0" smtClean="0"/>
@@ -7429,13 +7399,7 @@
               <a:rPr lang="en-GB" sz="1400" dirty="0" smtClean="0">
                 <a:latin typeface="+mn-lt"/>
               </a:rPr>
-              <a:t>Compilers and </a:t>
-            </a:r>
-            <a:r>
-              <a:rPr lang="en-GB" sz="1400" dirty="0" smtClean="0">
-                <a:latin typeface="+mn-lt"/>
-              </a:rPr>
-              <a:t>make</a:t>
+              <a:t>Compilers and make</a:t>
             </a:r>
           </a:p>
           <a:p>
@@ -7456,19 +7420,7 @@
               <a:rPr lang="en-GB" sz="1400" dirty="0" smtClean="0">
                 <a:latin typeface="+mn-lt"/>
               </a:rPr>
-              <a:t>A little bit about Arcus-b – the machine </a:t>
-            </a:r>
-            <a:r>
-              <a:rPr lang="en-GB" sz="1400" dirty="0" smtClean="0">
-                <a:latin typeface="+mn-lt"/>
-              </a:rPr>
-              <a:t>that we </a:t>
-            </a:r>
-            <a:r>
-              <a:rPr lang="en-GB" sz="1400" dirty="0" smtClean="0">
-                <a:latin typeface="+mn-lt"/>
-              </a:rPr>
-              <a:t>will do the </a:t>
+              <a:t>A little bit about Arcus-b – the machine that we will do the </a:t>
             </a:r>
             <a:r>
               <a:rPr lang="en-GB" sz="1400" dirty="0" err="1" smtClean="0">
@@ -7480,13 +7432,7 @@
               <a:rPr lang="en-GB" sz="1400" dirty="0" smtClean="0">
                 <a:latin typeface="+mn-lt"/>
               </a:rPr>
-              <a:t> </a:t>
-            </a:r>
-            <a:r>
-              <a:rPr lang="en-GB" sz="1400" dirty="0" smtClean="0">
-                <a:latin typeface="+mn-lt"/>
-              </a:rPr>
-              <a:t>on</a:t>
+              <a:t> on</a:t>
             </a:r>
           </a:p>
           <a:p>
@@ -7639,17 +7585,7 @@
                 <a:latin typeface="Arial" panose="020B0604020202020204"/>
                 <a:cs typeface="Courier New" panose="02070309020205020404" pitchFamily="49" charset="0"/>
               </a:rPr>
-              <a:t>Linux is the OS most supercomputers </a:t>
-            </a:r>
-            <a:r>
-              <a:rPr lang="en-GB" sz="1400" dirty="0" smtClean="0">
-                <a:solidFill>
-                  <a:srgbClr val="C2470C"/>
-                </a:solidFill>
-                <a:latin typeface="Arial" panose="020B0604020202020204"/>
-                <a:cs typeface="Courier New" panose="02070309020205020404" pitchFamily="49" charset="0"/>
-              </a:rPr>
-              <a:t>use</a:t>
+              <a:t>Linux is the OS most supercomputers use</a:t>
             </a:r>
           </a:p>
           <a:p>
@@ -7678,17 +7614,7 @@
                 <a:latin typeface="Arial" panose="020B0604020202020204"/>
                 <a:cs typeface="Courier New" panose="02070309020205020404" pitchFamily="49" charset="0"/>
               </a:rPr>
-              <a:t>You interact with it via the command </a:t>
-            </a:r>
-            <a:r>
-              <a:rPr lang="en-GB" sz="1400" dirty="0" smtClean="0">
-                <a:solidFill>
-                  <a:srgbClr val="C2470C"/>
-                </a:solidFill>
-                <a:latin typeface="Arial" panose="020B0604020202020204"/>
-                <a:cs typeface="Courier New" panose="02070309020205020404" pitchFamily="49" charset="0"/>
-              </a:rPr>
-              <a:t>line</a:t>
+              <a:t>You interact with it via the command line</a:t>
             </a:r>
           </a:p>
           <a:p>
@@ -7717,17 +7643,7 @@
                 <a:latin typeface="Arial" panose="020B0604020202020204"/>
                 <a:cs typeface="Courier New" panose="02070309020205020404" pitchFamily="49" charset="0"/>
               </a:rPr>
-              <a:t>There are many compilers, we will use the Gnu and Intel </a:t>
-            </a:r>
-            <a:r>
-              <a:rPr lang="en-GB" sz="1400" dirty="0" smtClean="0">
-                <a:solidFill>
-                  <a:srgbClr val="C2470C"/>
-                </a:solidFill>
-                <a:latin typeface="Arial" panose="020B0604020202020204"/>
-                <a:cs typeface="Courier New" panose="02070309020205020404" pitchFamily="49" charset="0"/>
-              </a:rPr>
-              <a:t>ones</a:t>
+              <a:t>There are many compilers, we will use the Gnu and Intel ones</a:t>
             </a:r>
           </a:p>
           <a:p>
@@ -7756,17 +7672,7 @@
                 <a:latin typeface="Arial" panose="020B0604020202020204"/>
                 <a:cs typeface="Courier New" panose="02070309020205020404" pitchFamily="49" charset="0"/>
               </a:rPr>
-              <a:t>Compilation is really two phases, compilation to an object file, and then linking the object files together to produce the </a:t>
-            </a:r>
-            <a:r>
-              <a:rPr lang="en-GB" sz="1400" dirty="0" smtClean="0">
-                <a:solidFill>
-                  <a:srgbClr val="C2470C"/>
-                </a:solidFill>
-                <a:latin typeface="Arial" panose="020B0604020202020204"/>
-                <a:cs typeface="Courier New" panose="02070309020205020404" pitchFamily="49" charset="0"/>
-              </a:rPr>
-              <a:t>executable</a:t>
+              <a:t>Compilation is really two phases, compilation to an object file, and then linking the object files together to produce the executable</a:t>
             </a:r>
           </a:p>
           <a:p>
@@ -7795,37 +7701,7 @@
                 <a:latin typeface="Arial" panose="020B0604020202020204"/>
                 <a:cs typeface="Courier New" panose="02070309020205020404" pitchFamily="49" charset="0"/>
               </a:rPr>
-              <a:t>The make utility can take advantage of this to speed </a:t>
-            </a:r>
-            <a:r>
-              <a:rPr lang="en-GB" sz="1400" dirty="0" smtClean="0">
-                <a:solidFill>
-                  <a:srgbClr val="C2470C"/>
-                </a:solidFill>
-                <a:latin typeface="Arial" panose="020B0604020202020204"/>
-                <a:cs typeface="Courier New" panose="02070309020205020404" pitchFamily="49" charset="0"/>
-              </a:rPr>
-              <a:t>up </a:t>
-            </a:r>
-            <a:r>
-              <a:rPr lang="en-GB" sz="1400" dirty="0" smtClean="0">
-                <a:solidFill>
-                  <a:srgbClr val="C2470C"/>
-                </a:solidFill>
-                <a:latin typeface="Arial" panose="020B0604020202020204"/>
-                <a:cs typeface="Courier New" panose="02070309020205020404" pitchFamily="49" charset="0"/>
-              </a:rPr>
-              <a:t>compilation, especially for large </a:t>
-            </a:r>
-            <a:r>
-              <a:rPr lang="en-GB" sz="1400" dirty="0" smtClean="0">
-                <a:solidFill>
-                  <a:srgbClr val="C2470C"/>
-                </a:solidFill>
-                <a:latin typeface="Arial" panose="020B0604020202020204"/>
-                <a:cs typeface="Courier New" panose="02070309020205020404" pitchFamily="49" charset="0"/>
-              </a:rPr>
-              <a:t>projects</a:t>
+              <a:t>The make utility can take advantage of this to speed up compilation, especially for large projects</a:t>
             </a:r>
           </a:p>
           <a:p>
@@ -7854,17 +7730,7 @@
                 <a:latin typeface="Arial" panose="020B0604020202020204"/>
                 <a:cs typeface="Courier New" panose="02070309020205020404" pitchFamily="49" charset="0"/>
               </a:rPr>
-              <a:t>Arcus-b is the cluster we will </a:t>
-            </a:r>
-            <a:r>
-              <a:rPr lang="en-GB" sz="1400" dirty="0" smtClean="0">
-                <a:solidFill>
-                  <a:srgbClr val="C2470C"/>
-                </a:solidFill>
-                <a:latin typeface="Arial" panose="020B0604020202020204"/>
-                <a:cs typeface="Courier New" panose="02070309020205020404" pitchFamily="49" charset="0"/>
-              </a:rPr>
-              <a:t>use</a:t>
+              <a:t>Arcus-b is the cluster we will use</a:t>
             </a:r>
           </a:p>
           <a:p>
@@ -7893,17 +7759,7 @@
                 <a:latin typeface="Arial" panose="020B0604020202020204"/>
                 <a:cs typeface="Courier New" panose="02070309020205020404" pitchFamily="49" charset="0"/>
               </a:rPr>
-              <a:t>It has 16 cores per </a:t>
-            </a:r>
-            <a:r>
-              <a:rPr lang="en-GB" sz="1400" dirty="0" smtClean="0">
-                <a:solidFill>
-                  <a:srgbClr val="C2470C"/>
-                </a:solidFill>
-                <a:latin typeface="Arial" panose="020B0604020202020204"/>
-                <a:cs typeface="Courier New" panose="02070309020205020404" pitchFamily="49" charset="0"/>
-              </a:rPr>
-              <a:t>node</a:t>
+              <a:t>It has 16 cores per node</a:t>
             </a:r>
           </a:p>
           <a:p>
@@ -7932,17 +7788,7 @@
                 <a:latin typeface="Arial" panose="020B0604020202020204"/>
                 <a:cs typeface="Courier New" panose="02070309020205020404" pitchFamily="49" charset="0"/>
               </a:rPr>
-              <a:t>The software environment is managed via the module </a:t>
-            </a:r>
-            <a:r>
-              <a:rPr lang="en-GB" sz="1400" dirty="0" smtClean="0">
-                <a:solidFill>
-                  <a:srgbClr val="C2470C"/>
-                </a:solidFill>
-                <a:latin typeface="Arial" panose="020B0604020202020204"/>
-                <a:cs typeface="Courier New" panose="02070309020205020404" pitchFamily="49" charset="0"/>
-              </a:rPr>
-              <a:t>system</a:t>
+              <a:t>The software environment is managed via the module system</a:t>
             </a:r>
           </a:p>
           <a:p>
@@ -8294,11 +8140,7 @@
             <a:pPr lvl="1"/>
             <a:r>
               <a:rPr lang="en-GB" dirty="0" smtClean="0"/>
-              <a:t>Derived ultimately from </a:t>
-            </a:r>
-            <a:r>
-              <a:rPr lang="en-GB" dirty="0" smtClean="0"/>
-              <a:t>Unix</a:t>
+              <a:t>Derived ultimately from Unix</a:t>
             </a:r>
           </a:p>
           <a:p>
@@ -8308,26 +8150,14 @@
           <a:p>
             <a:r>
               <a:rPr lang="en-GB" dirty="0" smtClean="0"/>
-              <a:t>For </a:t>
-            </a:r>
-            <a:r>
-              <a:rPr lang="en-GB" dirty="0" smtClean="0"/>
-              <a:t>us, </a:t>
-            </a:r>
-            <a:r>
-              <a:rPr lang="en-GB" dirty="0" smtClean="0"/>
-              <a:t>that controls how we interact with the machine</a:t>
+              <a:t>For us, that controls how we interact with the machine</a:t>
             </a:r>
           </a:p>
           <a:p>
             <a:pPr lvl="1"/>
             <a:r>
               <a:rPr lang="en-GB" dirty="0" smtClean="0"/>
-              <a:t>You are probably more used to Microsoft Windows or OS X on a </a:t>
-            </a:r>
-            <a:r>
-              <a:rPr lang="en-GB" dirty="0" smtClean="0"/>
-              <a:t>Mac</a:t>
+              <a:t>You are probably more used to Microsoft Windows or OS X on a Mac</a:t>
             </a:r>
           </a:p>
           <a:p>
@@ -8344,11 +8174,7 @@
             <a:pPr lvl="1"/>
             <a:r>
               <a:rPr lang="en-GB" dirty="0" smtClean="0"/>
-              <a:t>But note under the hood OS X is also derived from </a:t>
-            </a:r>
-            <a:r>
-              <a:rPr lang="en-GB" dirty="0" smtClean="0"/>
-              <a:t>Unix</a:t>
+              <a:t>But note under the hood OS X is also derived from Unix</a:t>
             </a:r>
           </a:p>
           <a:p>
@@ -8461,11 +8287,7 @@
             </a:r>
             <a:r>
               <a:rPr lang="en-GB" dirty="0" smtClean="0"/>
-              <a:t> </a:t>
-            </a:r>
-            <a:r>
-              <a:rPr lang="en-GB" dirty="0" smtClean="0"/>
-              <a:t>command</a:t>
+              <a:t> command</a:t>
             </a:r>
           </a:p>
           <a:p>
@@ -8482,11 +8304,7 @@
             </a:r>
             <a:r>
               <a:rPr lang="en-GB" dirty="0" smtClean="0"/>
-              <a:t> on arcus-b, the University’s central compute cluster run by </a:t>
-            </a:r>
-            <a:r>
-              <a:rPr lang="en-GB" dirty="0" smtClean="0"/>
-              <a:t>ARC</a:t>
+              <a:t> on arcus-b, the University’s central compute cluster run by ARC</a:t>
             </a:r>
           </a:p>
           <a:p>
@@ -8644,11 +8462,7 @@
           <a:p>
             <a:r>
               <a:rPr lang="en-GB" dirty="0" smtClean="0"/>
-              <a:t>You only really learn this stuff by doing </a:t>
-            </a:r>
-            <a:r>
-              <a:rPr lang="en-GB" dirty="0" smtClean="0"/>
-              <a:t>it</a:t>
+              <a:t>You only really learn this stuff by doing it</a:t>
             </a:r>
           </a:p>
           <a:p>
@@ -8657,19 +8471,7 @@
           <a:p>
             <a:r>
               <a:rPr lang="en-GB" dirty="0" smtClean="0"/>
-              <a:t>Hence rather than go through all of numerous command in Linux there is a worksheet which will be part of the practical where you will </a:t>
-            </a:r>
-            <a:r>
-              <a:rPr lang="en-GB" dirty="0" smtClean="0"/>
-              <a:t>learn </a:t>
-            </a:r>
-            <a:r>
-              <a:rPr lang="en-GB" dirty="0" smtClean="0"/>
-              <a:t>what you </a:t>
-            </a:r>
-            <a:r>
-              <a:rPr lang="en-GB" dirty="0" smtClean="0"/>
-              <a:t>need</a:t>
+              <a:t>Hence rather than go through all of numerous command in Linux there is a worksheet which will be part of the practical where you will learn what you need</a:t>
             </a:r>
           </a:p>
           <a:p>
@@ -8678,11 +8480,7 @@
           <a:p>
             <a:r>
               <a:rPr lang="en-GB" dirty="0" smtClean="0"/>
-              <a:t>However it’s worth noting that the Unix, and hence Linux, philosophy is a bit different from that found in </a:t>
-            </a:r>
-            <a:r>
-              <a:rPr lang="en-GB" dirty="0" smtClean="0"/>
-              <a:t>Windows</a:t>
+              <a:t>However it’s worth noting that the Unix, and hence Linux, philosophy is a bit different from that found in Windows</a:t>
             </a:r>
           </a:p>
           <a:p>
@@ -8698,11 +8496,7 @@
             <a:pPr lvl="1"/>
             <a:r>
               <a:rPr lang="en-GB" dirty="0" smtClean="0"/>
-              <a:t>This is flexible and can do many things, but can take a while to </a:t>
-            </a:r>
-            <a:r>
-              <a:rPr lang="en-GB" dirty="0" smtClean="0"/>
-              <a:t>learn</a:t>
+              <a:t>This is flexible and can do many things, but can take a while to learn</a:t>
             </a:r>
           </a:p>
           <a:p>
@@ -8726,11 +8520,7 @@
             <a:pPr lvl="1"/>
             <a:r>
               <a:rPr lang="en-GB" dirty="0" smtClean="0"/>
-              <a:t>But not great once you stray outside those </a:t>
-            </a:r>
-            <a:r>
-              <a:rPr lang="en-GB" dirty="0" smtClean="0"/>
-              <a:t>bounds</a:t>
+              <a:t>But not great once you stray outside those bounds</a:t>
             </a:r>
           </a:p>
           <a:p>
@@ -8949,11 +8739,7 @@
           <a:p>
             <a:r>
               <a:rPr lang="en-GB" dirty="0" smtClean="0"/>
-              <a:t>There are many compilers available under </a:t>
-            </a:r>
-            <a:r>
-              <a:rPr lang="en-GB" dirty="0" smtClean="0"/>
-              <a:t>Linux</a:t>
+              <a:t>There are many compilers available under Linux</a:t>
             </a:r>
           </a:p>
           <a:p>
@@ -9127,15 +8913,7 @@
             <a:pPr lvl="1"/>
             <a:r>
               <a:rPr lang="en-GB" dirty="0" smtClean="0"/>
-              <a:t>You should always end your C </a:t>
-            </a:r>
-            <a:r>
-              <a:rPr lang="en-GB" dirty="0" smtClean="0"/>
-              <a:t>file </a:t>
-            </a:r>
-            <a:r>
-              <a:rPr lang="en-GB" dirty="0" smtClean="0"/>
-              <a:t>names with </a:t>
+              <a:t>You should always end your C file names with </a:t>
             </a:r>
             <a:r>
               <a:rPr lang="en-GB" dirty="0" smtClean="0">
@@ -9647,7 +9425,7 @@
         <a:effectLst/>
         <a:extLst>
           <a:ext uri="{AF507438-7753-43e0-B8FC-AC1667EBCBE1}">
-            <a14:hiddenEffects xmlns:a14="http://schemas.microsoft.com/office/drawing/2010/main" xmlns="">
+            <a14:hiddenEffects xmlns="" xmlns:a14="http://schemas.microsoft.com/office/drawing/2010/main">
               <a:effectLst>
                 <a:outerShdw blurRad="63500" dist="38099" dir="2700000" algn="ctr" rotWithShape="0">
                   <a:schemeClr val="bg2">
@@ -9723,7 +9501,7 @@
         <a:effectLst/>
         <a:extLst>
           <a:ext uri="{AF507438-7753-43e0-B8FC-AC1667EBCBE1}">
-            <a14:hiddenEffects xmlns:a14="http://schemas.microsoft.com/office/drawing/2010/main" xmlns="">
+            <a14:hiddenEffects xmlns="" xmlns:a14="http://schemas.microsoft.com/office/drawing/2010/main">
               <a:effectLst>
                 <a:outerShdw blurRad="63500" dist="38099" dir="2700000" algn="ctr" rotWithShape="0">
                   <a:schemeClr val="bg2">
@@ -10786,12 +10564,12 @@
 </file>
 
 <file path=customXml/item1.xml><?xml version="1.0" encoding="utf-8"?>
-<p:properties xmlns:p="http://schemas.microsoft.com/office/2006/metadata/properties" xmlns:xsi="http://www.w3.org/2001/XMLSchema-instance" xmlns:pc="http://schemas.microsoft.com/office/infopath/2007/PartnerControls">
-  <documentManagement>
-    <PublishingExpirationDate xmlns="http://schemas.microsoft.com/sharepoint/v3" xsi:nil="true"/>
-    <PublishingStartDate xmlns="http://schemas.microsoft.com/sharepoint/v3" xsi:nil="true"/>
-  </documentManagement>
-</p:properties>
+<?mso-contentType ?>
+<FormTemplates xmlns="http://schemas.microsoft.com/sharepoint/v3/contenttype/forms">
+  <Display>DocumentLibraryForm</Display>
+  <Edit>DocumentLibraryForm</Edit>
+  <New>DocumentLibraryForm</New>
+</FormTemplates>
 </file>
 
 <file path=customXml/item2.xml><?xml version="1.0" encoding="utf-8"?>
@@ -10927,26 +10705,18 @@
 </file>
 
 <file path=customXml/item3.xml><?xml version="1.0" encoding="utf-8"?>
-<?mso-contentType ?>
-<FormTemplates xmlns="http://schemas.microsoft.com/sharepoint/v3/contenttype/forms">
-  <Display>DocumentLibraryForm</Display>
-  <Edit>DocumentLibraryForm</Edit>
-  <New>DocumentLibraryForm</New>
-</FormTemplates>
+<p:properties xmlns:p="http://schemas.microsoft.com/office/2006/metadata/properties" xmlns:xsi="http://www.w3.org/2001/XMLSchema-instance" xmlns:pc="http://schemas.microsoft.com/office/infopath/2007/PartnerControls">
+  <documentManagement>
+    <PublishingExpirationDate xmlns="http://schemas.microsoft.com/sharepoint/v3" xsi:nil="true"/>
+    <PublishingStartDate xmlns="http://schemas.microsoft.com/sharepoint/v3" xsi:nil="true"/>
+  </documentManagement>
+</p:properties>
 </file>
 
 <file path=customXml/itemProps1.xml><?xml version="1.0" encoding="utf-8"?>
-<ds:datastoreItem xmlns:ds="http://schemas.openxmlformats.org/officeDocument/2006/customXml" ds:itemID="{D83787E9-855B-43BD-8382-B7C63B9BC33D}">
+<ds:datastoreItem xmlns:ds="http://schemas.openxmlformats.org/officeDocument/2006/customXml" ds:itemID="{2E0637EC-CEA5-409F-B139-003005A14145}">
   <ds:schemaRefs>
-    <ds:schemaRef ds:uri="http://schemas.microsoft.com/office/2006/documentManagement/types"/>
-    <ds:schemaRef ds:uri="http://schemas.microsoft.com/office/infopath/2007/PartnerControls"/>
-    <ds:schemaRef ds:uri="http://purl.org/dc/elements/1.1/"/>
-    <ds:schemaRef ds:uri="http://schemas.microsoft.com/office/2006/metadata/properties"/>
-    <ds:schemaRef ds:uri="http://schemas.microsoft.com/sharepoint/v3"/>
-    <ds:schemaRef ds:uri="http://purl.org/dc/terms/"/>
-    <ds:schemaRef ds:uri="http://schemas.openxmlformats.org/package/2006/metadata/core-properties"/>
-    <ds:schemaRef ds:uri="http://www.w3.org/XML/1998/namespace"/>
-    <ds:schemaRef ds:uri="http://purl.org/dc/dcmitype/"/>
+    <ds:schemaRef ds:uri="http://schemas.microsoft.com/sharepoint/v3/contenttype/forms"/>
   </ds:schemaRefs>
 </ds:datastoreItem>
 </file>
@@ -10970,9 +10740,17 @@
 </file>
 
 <file path=customXml/itemProps3.xml><?xml version="1.0" encoding="utf-8"?>
-<ds:datastoreItem xmlns:ds="http://schemas.openxmlformats.org/officeDocument/2006/customXml" ds:itemID="{2E0637EC-CEA5-409F-B139-003005A14145}">
+<ds:datastoreItem xmlns:ds="http://schemas.openxmlformats.org/officeDocument/2006/customXml" ds:itemID="{D83787E9-855B-43BD-8382-B7C63B9BC33D}">
   <ds:schemaRefs>
-    <ds:schemaRef ds:uri="http://schemas.microsoft.com/sharepoint/v3/contenttype/forms"/>
+    <ds:schemaRef ds:uri="http://schemas.microsoft.com/office/2006/documentManagement/types"/>
+    <ds:schemaRef ds:uri="http://schemas.microsoft.com/office/infopath/2007/PartnerControls"/>
+    <ds:schemaRef ds:uri="http://purl.org/dc/elements/1.1/"/>
+    <ds:schemaRef ds:uri="http://schemas.microsoft.com/office/2006/metadata/properties"/>
+    <ds:schemaRef ds:uri="http://schemas.microsoft.com/sharepoint/v3"/>
+    <ds:schemaRef ds:uri="http://purl.org/dc/terms/"/>
+    <ds:schemaRef ds:uri="http://schemas.openxmlformats.org/package/2006/metadata/core-properties"/>
+    <ds:schemaRef ds:uri="http://www.w3.org/XML/1998/namespace"/>
+    <ds:schemaRef ds:uri="http://purl.org/dc/dcmitype/"/>
   </ds:schemaRefs>
 </ds:datastoreItem>
 </file>